--- a/documents/todos.pptx
+++ b/documents/todos.pptx
@@ -254,7 +254,7 @@
           <a:p>
             <a:fld id="{AA6E1D18-9420-7E46-9FF5-EF309D8F8BAA}" type="datetimeFigureOut">
               <a:rPr lang="en-US" smtClean="0"/>
-              <a:t>1/24/17</a:t>
+              <a:t>1/26/17</a:t>
             </a:fld>
             <a:endParaRPr lang="en-US"/>
           </a:p>
@@ -424,7 +424,7 @@
           <a:p>
             <a:fld id="{AA6E1D18-9420-7E46-9FF5-EF309D8F8BAA}" type="datetimeFigureOut">
               <a:rPr lang="en-US" smtClean="0"/>
-              <a:t>1/24/17</a:t>
+              <a:t>1/26/17</a:t>
             </a:fld>
             <a:endParaRPr lang="en-US"/>
           </a:p>
@@ -604,7 +604,7 @@
           <a:p>
             <a:fld id="{AA6E1D18-9420-7E46-9FF5-EF309D8F8BAA}" type="datetimeFigureOut">
               <a:rPr lang="en-US" smtClean="0"/>
-              <a:t>1/24/17</a:t>
+              <a:t>1/26/17</a:t>
             </a:fld>
             <a:endParaRPr lang="en-US"/>
           </a:p>
@@ -774,7 +774,7 @@
           <a:p>
             <a:fld id="{AA6E1D18-9420-7E46-9FF5-EF309D8F8BAA}" type="datetimeFigureOut">
               <a:rPr lang="en-US" smtClean="0"/>
-              <a:t>1/24/17</a:t>
+              <a:t>1/26/17</a:t>
             </a:fld>
             <a:endParaRPr lang="en-US"/>
           </a:p>
@@ -1020,7 +1020,7 @@
           <a:p>
             <a:fld id="{AA6E1D18-9420-7E46-9FF5-EF309D8F8BAA}" type="datetimeFigureOut">
               <a:rPr lang="en-US" smtClean="0"/>
-              <a:t>1/24/17</a:t>
+              <a:t>1/26/17</a:t>
             </a:fld>
             <a:endParaRPr lang="en-US"/>
           </a:p>
@@ -1252,7 +1252,7 @@
           <a:p>
             <a:fld id="{AA6E1D18-9420-7E46-9FF5-EF309D8F8BAA}" type="datetimeFigureOut">
               <a:rPr lang="en-US" smtClean="0"/>
-              <a:t>1/24/17</a:t>
+              <a:t>1/26/17</a:t>
             </a:fld>
             <a:endParaRPr lang="en-US"/>
           </a:p>
@@ -1619,7 +1619,7 @@
           <a:p>
             <a:fld id="{AA6E1D18-9420-7E46-9FF5-EF309D8F8BAA}" type="datetimeFigureOut">
               <a:rPr lang="en-US" smtClean="0"/>
-              <a:t>1/24/17</a:t>
+              <a:t>1/26/17</a:t>
             </a:fld>
             <a:endParaRPr lang="en-US"/>
           </a:p>
@@ -1737,7 +1737,7 @@
           <a:p>
             <a:fld id="{AA6E1D18-9420-7E46-9FF5-EF309D8F8BAA}" type="datetimeFigureOut">
               <a:rPr lang="en-US" smtClean="0"/>
-              <a:t>1/24/17</a:t>
+              <a:t>1/26/17</a:t>
             </a:fld>
             <a:endParaRPr lang="en-US"/>
           </a:p>
@@ -1832,7 +1832,7 @@
           <a:p>
             <a:fld id="{AA6E1D18-9420-7E46-9FF5-EF309D8F8BAA}" type="datetimeFigureOut">
               <a:rPr lang="en-US" smtClean="0"/>
-              <a:t>1/24/17</a:t>
+              <a:t>1/26/17</a:t>
             </a:fld>
             <a:endParaRPr lang="en-US"/>
           </a:p>
@@ -2109,7 +2109,7 @@
           <a:p>
             <a:fld id="{AA6E1D18-9420-7E46-9FF5-EF309D8F8BAA}" type="datetimeFigureOut">
               <a:rPr lang="en-US" smtClean="0"/>
-              <a:t>1/24/17</a:t>
+              <a:t>1/26/17</a:t>
             </a:fld>
             <a:endParaRPr lang="en-US"/>
           </a:p>
@@ -2362,7 +2362,7 @@
           <a:p>
             <a:fld id="{AA6E1D18-9420-7E46-9FF5-EF309D8F8BAA}" type="datetimeFigureOut">
               <a:rPr lang="en-US" smtClean="0"/>
-              <a:t>1/24/17</a:t>
+              <a:t>1/26/17</a:t>
             </a:fld>
             <a:endParaRPr lang="en-US"/>
           </a:p>
@@ -2575,7 +2575,7 @@
           <a:p>
             <a:fld id="{AA6E1D18-9420-7E46-9FF5-EF309D8F8BAA}" type="datetimeFigureOut">
               <a:rPr lang="en-US" smtClean="0"/>
-              <a:t>1/24/17</a:t>
+              <a:t>1/26/17</a:t>
             </a:fld>
             <a:endParaRPr lang="en-US"/>
           </a:p>
@@ -2988,8 +2988,8 @@
         </p:nvSpPr>
         <p:spPr>
           <a:xfrm>
-            <a:off x="2038350" y="1997839"/>
-            <a:ext cx="8115300" cy="3139321"/>
+            <a:off x="2038350" y="1720840"/>
+            <a:ext cx="8115300" cy="3416320"/>
           </a:xfrm>
           <a:prstGeom prst="rect">
             <a:avLst/>
@@ -3084,8 +3084,23 @@
             </a:pPr>
             <a:r>
               <a:rPr lang="en-US" dirty="0" smtClean="0"/>
-              <a:t>tracing and messaging should be handled by syslog</a:t>
-            </a:r>
+              <a:t>tracing and messaging should be handled by </a:t>
+            </a:r>
+            <a:r>
+              <a:rPr lang="en-US" dirty="0" smtClean="0"/>
+              <a:t>syslog</a:t>
+            </a:r>
+          </a:p>
+          <a:p>
+            <a:pPr marL="285750" indent="-285750">
+              <a:buFont typeface="Arial" charset="0"/>
+              <a:buChar char="•"/>
+            </a:pPr>
+            <a:r>
+              <a:rPr lang="en-US" dirty="0" smtClean="0"/>
+              <a:t>signal handling</a:t>
+            </a:r>
+            <a:endParaRPr lang="en-US" dirty="0" smtClean="0"/>
           </a:p>
           <a:p>
             <a:pPr marL="285750" indent="-285750">

--- a/documents/todos.pptx
+++ b/documents/todos.pptx
@@ -2988,8 +2988,8 @@
         </p:nvSpPr>
         <p:spPr>
           <a:xfrm>
-            <a:off x="2038350" y="1720840"/>
-            <a:ext cx="8115300" cy="3416320"/>
+            <a:off x="2038350" y="1582340"/>
+            <a:ext cx="8115300" cy="3693319"/>
           </a:xfrm>
           <a:prstGeom prst="rect">
             <a:avLst/>
@@ -3084,11 +3084,7 @@
             </a:pPr>
             <a:r>
               <a:rPr lang="en-US" dirty="0" smtClean="0"/>
-              <a:t>tracing and messaging should be handled by </a:t>
-            </a:r>
-            <a:r>
-              <a:rPr lang="en-US" dirty="0" smtClean="0"/>
-              <a:t>syslog</a:t>
+              <a:t>tracing and messaging should be handled by syslog</a:t>
             </a:r>
           </a:p>
           <a:p>
@@ -3100,7 +3096,6 @@
               <a:rPr lang="en-US" dirty="0" smtClean="0"/>
               <a:t>signal handling</a:t>
             </a:r>
-            <a:endParaRPr lang="en-US" dirty="0" smtClean="0"/>
           </a:p>
           <a:p>
             <a:pPr marL="285750" indent="-285750">
@@ -3131,6 +3126,17 @@
               <a:rPr lang="en-US" dirty="0" smtClean="0"/>
               <a:t>reconciliation</a:t>
             </a:r>
+          </a:p>
+          <a:p>
+            <a:pPr marL="285750" indent="-285750">
+              <a:buFont typeface="Arial" charset="0"/>
+              <a:buChar char="•"/>
+            </a:pPr>
+            <a:r>
+              <a:rPr lang="en-US" dirty="0" smtClean="0"/>
+              <a:t>scan/policy engine</a:t>
+            </a:r>
+            <a:endParaRPr lang="en-US" dirty="0" smtClean="0"/>
           </a:p>
           <a:p>
             <a:pPr marL="285750" indent="-285750">
